--- a/static_files/laboratory/第十四周：利用MSI设计时序逻辑电路——60进制计数器.pptx
+++ b/static_files/laboratory/第十四周：利用MSI设计时序逻辑电路——60进制计数器.pptx
@@ -6,7 +6,7 @@
     <p:sldMasterId id="2147483684" r:id="rId2"/>
   </p:sldMasterIdLst>
   <p:notesMasterIdLst>
-    <p:notesMasterId r:id="rId9"/>
+    <p:notesMasterId r:id="rId10"/>
   </p:notesMasterIdLst>
   <p:sldIdLst>
     <p:sldId id="548" r:id="rId3"/>
@@ -14,7 +14,8 @@
     <p:sldId id="669" r:id="rId5"/>
     <p:sldId id="425" r:id="rId6"/>
     <p:sldId id="670" r:id="rId7"/>
-    <p:sldId id="633" r:id="rId8"/>
+    <p:sldId id="671" r:id="rId8"/>
+    <p:sldId id="633" r:id="rId9"/>
   </p:sldIdLst>
   <p:sldSz cx="9144000" cy="6858000" type="screen4x3"/>
   <p:notesSz cx="6858000" cy="9144000"/>
@@ -203,7 +204,7 @@
           <a:p>
             <a:fld id="{63C5EB6E-8D6D-481E-935A-F9868F7E22B8}" type="datetimeFigureOut">
               <a:rPr lang="zh-CN" altLang="en-US" smtClean="0"/>
-              <a:t>2025/05/22</a:t>
+              <a:t>2025/05/29</a:t>
             </a:fld>
             <a:endParaRPr lang="zh-CN" altLang="en-US"/>
           </a:p>
@@ -765,7 +766,7 @@
                 </a:buClr>
                 <a:defRPr/>
               </a:pPr>
-              <a:t>6</a:t>
+              <a:t>7</a:t>
             </a:fld>
             <a:endParaRPr lang="en-GB" altLang="zh-CN">
               <a:solidFill>
@@ -954,7 +955,7 @@
           <a:p>
             <a:fld id="{E3A12DB3-23C9-45DD-A984-1BF43C59BA9E}" type="datetimeFigureOut">
               <a:rPr lang="zh-CN" altLang="en-US" smtClean="0"/>
-              <a:t>2025/05/22</a:t>
+              <a:t>2025/05/29</a:t>
             </a:fld>
             <a:endParaRPr lang="zh-CN" altLang="en-US"/>
           </a:p>
@@ -1124,7 +1125,7 @@
           <a:p>
             <a:fld id="{E3A12DB3-23C9-45DD-A984-1BF43C59BA9E}" type="datetimeFigureOut">
               <a:rPr lang="zh-CN" altLang="en-US" smtClean="0"/>
-              <a:t>2025/05/22</a:t>
+              <a:t>2025/05/29</a:t>
             </a:fld>
             <a:endParaRPr lang="zh-CN" altLang="en-US"/>
           </a:p>
@@ -1304,7 +1305,7 @@
           <a:p>
             <a:fld id="{E3A12DB3-23C9-45DD-A984-1BF43C59BA9E}" type="datetimeFigureOut">
               <a:rPr lang="zh-CN" altLang="en-US" smtClean="0"/>
-              <a:t>2025/05/22</a:t>
+              <a:t>2025/05/29</a:t>
             </a:fld>
             <a:endParaRPr lang="zh-CN" altLang="en-US"/>
           </a:p>
@@ -7420,7 +7421,7 @@
           <a:p>
             <a:fld id="{E3A12DB3-23C9-45DD-A984-1BF43C59BA9E}" type="datetimeFigureOut">
               <a:rPr lang="zh-CN" altLang="en-US" smtClean="0"/>
-              <a:t>2025/05/22</a:t>
+              <a:t>2025/05/29</a:t>
             </a:fld>
             <a:endParaRPr lang="zh-CN" altLang="en-US"/>
           </a:p>
@@ -8890,7 +8891,7 @@
           <a:p>
             <a:fld id="{E3A12DB3-23C9-45DD-A984-1BF43C59BA9E}" type="datetimeFigureOut">
               <a:rPr lang="zh-CN" altLang="en-US" smtClean="0"/>
-              <a:t>2025/05/22</a:t>
+              <a:t>2025/05/29</a:t>
             </a:fld>
             <a:endParaRPr lang="zh-CN" altLang="en-US"/>
           </a:p>
@@ -9122,7 +9123,7 @@
           <a:p>
             <a:fld id="{E3A12DB3-23C9-45DD-A984-1BF43C59BA9E}" type="datetimeFigureOut">
               <a:rPr lang="zh-CN" altLang="en-US" smtClean="0"/>
-              <a:t>2025/05/22</a:t>
+              <a:t>2025/05/29</a:t>
             </a:fld>
             <a:endParaRPr lang="zh-CN" altLang="en-US"/>
           </a:p>
@@ -9489,7 +9490,7 @@
           <a:p>
             <a:fld id="{E3A12DB3-23C9-45DD-A984-1BF43C59BA9E}" type="datetimeFigureOut">
               <a:rPr lang="zh-CN" altLang="en-US" smtClean="0"/>
-              <a:t>2025/05/22</a:t>
+              <a:t>2025/05/29</a:t>
             </a:fld>
             <a:endParaRPr lang="zh-CN" altLang="en-US"/>
           </a:p>
@@ -9607,7 +9608,7 @@
           <a:p>
             <a:fld id="{E3A12DB3-23C9-45DD-A984-1BF43C59BA9E}" type="datetimeFigureOut">
               <a:rPr lang="zh-CN" altLang="en-US" smtClean="0"/>
-              <a:t>2025/05/22</a:t>
+              <a:t>2025/05/29</a:t>
             </a:fld>
             <a:endParaRPr lang="zh-CN" altLang="en-US"/>
           </a:p>
@@ -9702,7 +9703,7 @@
           <a:p>
             <a:fld id="{E3A12DB3-23C9-45DD-A984-1BF43C59BA9E}" type="datetimeFigureOut">
               <a:rPr lang="zh-CN" altLang="en-US" smtClean="0"/>
-              <a:t>2025/05/22</a:t>
+              <a:t>2025/05/29</a:t>
             </a:fld>
             <a:endParaRPr lang="zh-CN" altLang="en-US"/>
           </a:p>
@@ -9979,7 +9980,7 @@
           <a:p>
             <a:fld id="{E3A12DB3-23C9-45DD-A984-1BF43C59BA9E}" type="datetimeFigureOut">
               <a:rPr lang="zh-CN" altLang="en-US" smtClean="0"/>
-              <a:t>2025/05/22</a:t>
+              <a:t>2025/05/29</a:t>
             </a:fld>
             <a:endParaRPr lang="zh-CN" altLang="en-US"/>
           </a:p>
@@ -10236,7 +10237,7 @@
           <a:p>
             <a:fld id="{E3A12DB3-23C9-45DD-A984-1BF43C59BA9E}" type="datetimeFigureOut">
               <a:rPr lang="zh-CN" altLang="en-US" smtClean="0"/>
-              <a:t>2025/05/22</a:t>
+              <a:t>2025/05/29</a:t>
             </a:fld>
             <a:endParaRPr lang="zh-CN" altLang="en-US"/>
           </a:p>
@@ -10449,7 +10450,7 @@
           <a:p>
             <a:fld id="{E3A12DB3-23C9-45DD-A984-1BF43C59BA9E}" type="datetimeFigureOut">
               <a:rPr lang="zh-CN" altLang="en-US" smtClean="0"/>
-              <a:t>2025/05/22</a:t>
+              <a:t>2025/05/29</a:t>
             </a:fld>
             <a:endParaRPr lang="zh-CN" altLang="en-US"/>
           </a:p>
@@ -16543,29 +16544,6 @@
             </a:r>
             <a:endParaRPr lang="en-US" altLang="zh-CN" dirty="0"/>
           </a:p>
-          <a:p>
-            <a:pPr lvl="1"/>
-            <a:r>
-              <a:rPr lang="zh-CN" altLang="en-US" dirty="0"/>
-              <a:t>日期计数器（</a:t>
-            </a:r>
-            <a:r>
-              <a:rPr lang="en-US" altLang="zh-CN" dirty="0"/>
-              <a:t>1-12</a:t>
-            </a:r>
-            <a:r>
-              <a:rPr lang="zh-CN" altLang="en-US" dirty="0"/>
-              <a:t>月，</a:t>
-            </a:r>
-            <a:r>
-              <a:rPr lang="en-US" altLang="zh-CN" dirty="0"/>
-              <a:t>1-31</a:t>
-            </a:r>
-            <a:r>
-              <a:rPr lang="zh-CN" altLang="en-US" dirty="0"/>
-              <a:t>日）</a:t>
-            </a:r>
-          </a:p>
         </p:txBody>
       </p:sp>
       <p:sp>
@@ -16617,6 +16595,184 @@
 </file>
 
 <file path=ppt/slides/slide6.xml><?xml version="1.0" encoding="utf-8"?>
+<p:sld xmlns:a="http://schemas.openxmlformats.org/drawingml/2006/main" xmlns:r="http://schemas.openxmlformats.org/officeDocument/2006/relationships" xmlns:p="http://schemas.openxmlformats.org/presentationml/2006/main">
+  <p:cSld>
+    <p:spTree>
+      <p:nvGrpSpPr>
+        <p:cNvPr id="1" name=""/>
+        <p:cNvGrpSpPr/>
+        <p:nvPr/>
+      </p:nvGrpSpPr>
+      <p:grpSpPr>
+        <a:xfrm>
+          <a:off x="0" y="0"/>
+          <a:ext cx="0" cy="0"/>
+          <a:chOff x="0" y="0"/>
+          <a:chExt cx="0" cy="0"/>
+        </a:xfrm>
+      </p:grpSpPr>
+      <p:sp>
+        <p:nvSpPr>
+          <p:cNvPr id="2" name="标题 1">
+            <a:extLst>
+              <a:ext uri="{FF2B5EF4-FFF2-40B4-BE49-F238E27FC236}">
+                <a16:creationId xmlns:a16="http://schemas.microsoft.com/office/drawing/2014/main" id="{CC53BFFF-3CDE-4ECE-A946-BE36A0522C95}"/>
+              </a:ext>
+            </a:extLst>
+          </p:cNvPr>
+          <p:cNvSpPr>
+            <a:spLocks noGrp="1"/>
+          </p:cNvSpPr>
+          <p:nvPr>
+            <p:ph type="title"/>
+          </p:nvPr>
+        </p:nvSpPr>
+        <p:spPr/>
+        <p:txBody>
+          <a:bodyPr/>
+          <a:lstStyle/>
+          <a:p>
+            <a:r>
+              <a:rPr lang="zh-CN" altLang="en-US" dirty="0"/>
+              <a:t>期末考核</a:t>
+            </a:r>
+          </a:p>
+        </p:txBody>
+      </p:sp>
+      <p:sp>
+        <p:nvSpPr>
+          <p:cNvPr id="3" name="内容占位符 2">
+            <a:extLst>
+              <a:ext uri="{FF2B5EF4-FFF2-40B4-BE49-F238E27FC236}">
+                <a16:creationId xmlns:a16="http://schemas.microsoft.com/office/drawing/2014/main" id="{AA7A6CF7-A7EE-4B26-B384-08468C4535AF}"/>
+              </a:ext>
+            </a:extLst>
+          </p:cNvPr>
+          <p:cNvSpPr>
+            <a:spLocks noGrp="1"/>
+          </p:cNvSpPr>
+          <p:nvPr>
+            <p:ph idx="1"/>
+          </p:nvPr>
+        </p:nvSpPr>
+        <p:spPr/>
+        <p:txBody>
+          <a:bodyPr/>
+          <a:lstStyle/>
+          <a:p>
+            <a:r>
+              <a:rPr lang="zh-CN" altLang="en-US" dirty="0"/>
+              <a:t>日期：</a:t>
+            </a:r>
+            <a:r>
+              <a:rPr lang="en-US" altLang="zh-CN" dirty="0"/>
+              <a:t>Week 17, </a:t>
+            </a:r>
+            <a:r>
+              <a:rPr lang="zh-CN" altLang="en-US" dirty="0"/>
+              <a:t>周四 </a:t>
+            </a:r>
+            <a:r>
+              <a:rPr lang="en-US" altLang="zh-CN" dirty="0"/>
+              <a:t>(6.19)</a:t>
+            </a:r>
+          </a:p>
+          <a:p>
+            <a:r>
+              <a:rPr lang="zh-CN" altLang="en-US" dirty="0"/>
+              <a:t>时间：</a:t>
+            </a:r>
+            <a:r>
+              <a:rPr lang="en-US" altLang="zh-CN" dirty="0">
+                <a:solidFill>
+                  <a:srgbClr val="FF0000"/>
+                </a:solidFill>
+              </a:rPr>
+              <a:t>18:30</a:t>
+            </a:r>
+            <a:r>
+              <a:rPr lang="en-US" altLang="zh-CN" dirty="0"/>
+              <a:t>-21:30</a:t>
+            </a:r>
+          </a:p>
+          <a:p>
+            <a:r>
+              <a:rPr lang="zh-CN" altLang="en-US" dirty="0"/>
+              <a:t>地点：丰盛堂</a:t>
+            </a:r>
+            <a:r>
+              <a:rPr lang="en-US" altLang="zh-CN" dirty="0"/>
+              <a:t>C503</a:t>
+            </a:r>
+          </a:p>
+          <a:p>
+            <a:pPr marL="0" indent="0">
+              <a:buNone/>
+            </a:pPr>
+            <a:endParaRPr lang="en-US" altLang="zh-CN" dirty="0"/>
+          </a:p>
+          <a:p>
+            <a:r>
+              <a:rPr lang="zh-CN" altLang="en-US" dirty="0"/>
+              <a:t>期末成绩占总成绩</a:t>
+            </a:r>
+            <a:r>
+              <a:rPr lang="en-US" altLang="zh-CN" dirty="0"/>
+              <a:t>60%</a:t>
+            </a:r>
+            <a:endParaRPr lang="zh-CN" altLang="en-US" dirty="0"/>
+          </a:p>
+        </p:txBody>
+      </p:sp>
+      <p:sp>
+        <p:nvSpPr>
+          <p:cNvPr id="4" name="灯片编号占位符 3">
+            <a:extLst>
+              <a:ext uri="{FF2B5EF4-FFF2-40B4-BE49-F238E27FC236}">
+                <a16:creationId xmlns:a16="http://schemas.microsoft.com/office/drawing/2014/main" id="{EE096871-8F61-4B67-BD53-0C8C5C40E52B}"/>
+              </a:ext>
+            </a:extLst>
+          </p:cNvPr>
+          <p:cNvSpPr>
+            <a:spLocks noGrp="1"/>
+          </p:cNvSpPr>
+          <p:nvPr>
+            <p:ph type="sldNum" sz="quarter" idx="12"/>
+          </p:nvPr>
+        </p:nvSpPr>
+        <p:spPr/>
+        <p:txBody>
+          <a:bodyPr/>
+          <a:lstStyle/>
+          <a:p>
+            <a:pPr>
+              <a:defRPr/>
+            </a:pPr>
+            <a:fld id="{164FC249-0138-4740-AD7C-C31857BF085C}" type="slidenum">
+              <a:rPr lang="zh-CN" altLang="en-GB" smtClean="0"/>
+              <a:pPr>
+                <a:defRPr/>
+              </a:pPr>
+              <a:t>6</a:t>
+            </a:fld>
+            <a:endParaRPr lang="en-GB" altLang="zh-CN"/>
+          </a:p>
+        </p:txBody>
+      </p:sp>
+    </p:spTree>
+    <p:extLst>
+      <p:ext uri="{BB962C8B-B14F-4D97-AF65-F5344CB8AC3E}">
+        <p14:creationId xmlns:p14="http://schemas.microsoft.com/office/powerpoint/2010/main" val="1300527097"/>
+      </p:ext>
+    </p:extLst>
+  </p:cSld>
+  <p:clrMapOvr>
+    <a:masterClrMapping/>
+  </p:clrMapOvr>
+</p:sld>
+</file>
+
+<file path=ppt/slides/slide7.xml><?xml version="1.0" encoding="utf-8"?>
 <p:sld xmlns:a="http://schemas.openxmlformats.org/drawingml/2006/main" xmlns:r="http://schemas.openxmlformats.org/officeDocument/2006/relationships" xmlns:p="http://schemas.openxmlformats.org/presentationml/2006/main">
   <p:cSld>
     <p:spTree>
@@ -16810,7 +16966,7 @@
             <a:fld id="{AC22AEAC-51C0-4EF4-8FC4-2DD7D8A5C93D}" type="slidenum">
               <a:rPr lang="zh-CN" altLang="en-US" smtClean="0"/>
               <a:pPr/>
-              <a:t>6</a:t>
+              <a:t>7</a:t>
             </a:fld>
             <a:endParaRPr lang="en-GB" altLang="zh-CN" sz="1200">
               <a:solidFill>
